--- a/prof.pptx
+++ b/prof.pptx
@@ -345,7 +345,7 @@
           <a:p>
             <a:fld id="{265EB8A6-0D92-4665-92D6-07BCDE2F915F}" type="datetimeFigureOut">
               <a:rPr lang="nl-BE" smtClean="0"/>
-              <a:t>18/05/2022</a:t>
+              <a:t>21/05/2022</a:t>
             </a:fld>
             <a:endParaRPr lang="nl-BE"/>
           </a:p>
@@ -553,7 +553,7 @@
           <a:p>
             <a:fld id="{265EB8A6-0D92-4665-92D6-07BCDE2F915F}" type="datetimeFigureOut">
               <a:rPr lang="nl-BE" smtClean="0"/>
-              <a:t>18/05/2022</a:t>
+              <a:t>21/05/2022</a:t>
             </a:fld>
             <a:endParaRPr lang="nl-BE"/>
           </a:p>
@@ -809,7 +809,7 @@
           <a:p>
             <a:fld id="{265EB8A6-0D92-4665-92D6-07BCDE2F915F}" type="datetimeFigureOut">
               <a:rPr lang="nl-BE" smtClean="0"/>
-              <a:t>18/05/2022</a:t>
+              <a:t>21/05/2022</a:t>
             </a:fld>
             <a:endParaRPr lang="nl-BE"/>
           </a:p>
@@ -983,7 +983,7 @@
           <a:p>
             <a:fld id="{265EB8A6-0D92-4665-92D6-07BCDE2F915F}" type="datetimeFigureOut">
               <a:rPr lang="nl-BE" smtClean="0"/>
-              <a:t>18/05/2022</a:t>
+              <a:t>21/05/2022</a:t>
             </a:fld>
             <a:endParaRPr lang="nl-BE"/>
           </a:p>
@@ -1326,7 +1326,7 @@
           <a:p>
             <a:fld id="{265EB8A6-0D92-4665-92D6-07BCDE2F915F}" type="datetimeFigureOut">
               <a:rPr lang="nl-BE" smtClean="0"/>
-              <a:t>18/05/2022</a:t>
+              <a:t>21/05/2022</a:t>
             </a:fld>
             <a:endParaRPr lang="nl-BE"/>
           </a:p>
@@ -1601,7 +1601,7 @@
           <a:p>
             <a:fld id="{265EB8A6-0D92-4665-92D6-07BCDE2F915F}" type="datetimeFigureOut">
               <a:rPr lang="nl-BE" smtClean="0"/>
-              <a:t>18/05/2022</a:t>
+              <a:t>21/05/2022</a:t>
             </a:fld>
             <a:endParaRPr lang="nl-BE"/>
           </a:p>
@@ -1980,7 +1980,7 @@
           <a:p>
             <a:fld id="{265EB8A6-0D92-4665-92D6-07BCDE2F915F}" type="datetimeFigureOut">
               <a:rPr lang="nl-BE" smtClean="0"/>
-              <a:t>18/05/2022</a:t>
+              <a:t>21/05/2022</a:t>
             </a:fld>
             <a:endParaRPr lang="nl-BE"/>
           </a:p>
@@ -2098,7 +2098,7 @@
           <a:p>
             <a:fld id="{265EB8A6-0D92-4665-92D6-07BCDE2F915F}" type="datetimeFigureOut">
               <a:rPr lang="nl-BE" smtClean="0"/>
-              <a:t>18/05/2022</a:t>
+              <a:t>21/05/2022</a:t>
             </a:fld>
             <a:endParaRPr lang="nl-BE"/>
           </a:p>
@@ -2269,7 +2269,7 @@
           <a:p>
             <a:fld id="{265EB8A6-0D92-4665-92D6-07BCDE2F915F}" type="datetimeFigureOut">
               <a:rPr lang="nl-BE" smtClean="0"/>
-              <a:t>18/05/2022</a:t>
+              <a:t>21/05/2022</a:t>
             </a:fld>
             <a:endParaRPr lang="nl-BE"/>
           </a:p>
@@ -2623,7 +2623,7 @@
           <a:p>
             <a:fld id="{265EB8A6-0D92-4665-92D6-07BCDE2F915F}" type="datetimeFigureOut">
               <a:rPr lang="nl-BE" smtClean="0"/>
-              <a:t>18/05/2022</a:t>
+              <a:t>21/05/2022</a:t>
             </a:fld>
             <a:endParaRPr lang="nl-BE"/>
           </a:p>
@@ -3005,7 +3005,7 @@
           <a:p>
             <a:fld id="{265EB8A6-0D92-4665-92D6-07BCDE2F915F}" type="datetimeFigureOut">
               <a:rPr lang="nl-BE" smtClean="0"/>
-              <a:t>18/05/2022</a:t>
+              <a:t>21/05/2022</a:t>
             </a:fld>
             <a:endParaRPr lang="nl-BE"/>
           </a:p>
@@ -3292,7 +3292,7 @@
           <a:p>
             <a:fld id="{265EB8A6-0D92-4665-92D6-07BCDE2F915F}" type="datetimeFigureOut">
               <a:rPr lang="nl-BE" smtClean="0"/>
-              <a:t>18/05/2022</a:t>
+              <a:t>21/05/2022</a:t>
             </a:fld>
             <a:endParaRPr lang="nl-BE"/>
           </a:p>
@@ -4568,6 +4568,16 @@
             </a:r>
           </a:p>
           <a:p>
+            <a:pPr lvl="1">
+              <a:buFont typeface="Arial" panose="020B0604020202020204" pitchFamily="34" charset="0"/>
+              <a:buChar char="•"/>
+            </a:pPr>
+            <a:r>
+              <a:rPr lang="nl-BE" sz="2800" dirty="0"/>
+              <a:t>App</a:t>
+            </a:r>
+          </a:p>
+          <a:p>
             <a:pPr lvl="1"/>
             <a:endParaRPr lang="nl-BE" sz="2800" dirty="0"/>
           </a:p>

--- a/prof.pptx
+++ b/prof.pptx
@@ -345,7 +345,7 @@
           <a:p>
             <a:fld id="{265EB8A6-0D92-4665-92D6-07BCDE2F915F}" type="datetimeFigureOut">
               <a:rPr lang="nl-BE" smtClean="0"/>
-              <a:t>21/05/2022</a:t>
+              <a:t>29/05/2022</a:t>
             </a:fld>
             <a:endParaRPr lang="nl-BE"/>
           </a:p>
@@ -553,7 +553,7 @@
           <a:p>
             <a:fld id="{265EB8A6-0D92-4665-92D6-07BCDE2F915F}" type="datetimeFigureOut">
               <a:rPr lang="nl-BE" smtClean="0"/>
-              <a:t>21/05/2022</a:t>
+              <a:t>29/05/2022</a:t>
             </a:fld>
             <a:endParaRPr lang="nl-BE"/>
           </a:p>
@@ -809,7 +809,7 @@
           <a:p>
             <a:fld id="{265EB8A6-0D92-4665-92D6-07BCDE2F915F}" type="datetimeFigureOut">
               <a:rPr lang="nl-BE" smtClean="0"/>
-              <a:t>21/05/2022</a:t>
+              <a:t>29/05/2022</a:t>
             </a:fld>
             <a:endParaRPr lang="nl-BE"/>
           </a:p>
@@ -983,7 +983,7 @@
           <a:p>
             <a:fld id="{265EB8A6-0D92-4665-92D6-07BCDE2F915F}" type="datetimeFigureOut">
               <a:rPr lang="nl-BE" smtClean="0"/>
-              <a:t>21/05/2022</a:t>
+              <a:t>29/05/2022</a:t>
             </a:fld>
             <a:endParaRPr lang="nl-BE"/>
           </a:p>
@@ -1326,7 +1326,7 @@
           <a:p>
             <a:fld id="{265EB8A6-0D92-4665-92D6-07BCDE2F915F}" type="datetimeFigureOut">
               <a:rPr lang="nl-BE" smtClean="0"/>
-              <a:t>21/05/2022</a:t>
+              <a:t>29/05/2022</a:t>
             </a:fld>
             <a:endParaRPr lang="nl-BE"/>
           </a:p>
@@ -1601,7 +1601,7 @@
           <a:p>
             <a:fld id="{265EB8A6-0D92-4665-92D6-07BCDE2F915F}" type="datetimeFigureOut">
               <a:rPr lang="nl-BE" smtClean="0"/>
-              <a:t>21/05/2022</a:t>
+              <a:t>29/05/2022</a:t>
             </a:fld>
             <a:endParaRPr lang="nl-BE"/>
           </a:p>
@@ -1980,7 +1980,7 @@
           <a:p>
             <a:fld id="{265EB8A6-0D92-4665-92D6-07BCDE2F915F}" type="datetimeFigureOut">
               <a:rPr lang="nl-BE" smtClean="0"/>
-              <a:t>21/05/2022</a:t>
+              <a:t>29/05/2022</a:t>
             </a:fld>
             <a:endParaRPr lang="nl-BE"/>
           </a:p>
@@ -2098,7 +2098,7 @@
           <a:p>
             <a:fld id="{265EB8A6-0D92-4665-92D6-07BCDE2F915F}" type="datetimeFigureOut">
               <a:rPr lang="nl-BE" smtClean="0"/>
-              <a:t>21/05/2022</a:t>
+              <a:t>29/05/2022</a:t>
             </a:fld>
             <a:endParaRPr lang="nl-BE"/>
           </a:p>
@@ -2269,7 +2269,7 @@
           <a:p>
             <a:fld id="{265EB8A6-0D92-4665-92D6-07BCDE2F915F}" type="datetimeFigureOut">
               <a:rPr lang="nl-BE" smtClean="0"/>
-              <a:t>21/05/2022</a:t>
+              <a:t>29/05/2022</a:t>
             </a:fld>
             <a:endParaRPr lang="nl-BE"/>
           </a:p>
@@ -2623,7 +2623,7 @@
           <a:p>
             <a:fld id="{265EB8A6-0D92-4665-92D6-07BCDE2F915F}" type="datetimeFigureOut">
               <a:rPr lang="nl-BE" smtClean="0"/>
-              <a:t>21/05/2022</a:t>
+              <a:t>29/05/2022</a:t>
             </a:fld>
             <a:endParaRPr lang="nl-BE"/>
           </a:p>
@@ -3005,7 +3005,7 @@
           <a:p>
             <a:fld id="{265EB8A6-0D92-4665-92D6-07BCDE2F915F}" type="datetimeFigureOut">
               <a:rPr lang="nl-BE" smtClean="0"/>
-              <a:t>21/05/2022</a:t>
+              <a:t>29/05/2022</a:t>
             </a:fld>
             <a:endParaRPr lang="nl-BE"/>
           </a:p>
@@ -3292,7 +3292,7 @@
           <a:p>
             <a:fld id="{265EB8A6-0D92-4665-92D6-07BCDE2F915F}" type="datetimeFigureOut">
               <a:rPr lang="nl-BE" smtClean="0"/>
-              <a:t>21/05/2022</a:t>
+              <a:t>29/05/2022</a:t>
             </a:fld>
             <a:endParaRPr lang="nl-BE"/>
           </a:p>
@@ -4578,8 +4578,14 @@
             </a:r>
           </a:p>
           <a:p>
-            <a:pPr lvl="1"/>
-            <a:endParaRPr lang="nl-BE" sz="2800" dirty="0"/>
+            <a:pPr lvl="1">
+              <a:buFont typeface="Arial" panose="020B0604020202020204" pitchFamily="34" charset="0"/>
+              <a:buChar char="•"/>
+            </a:pPr>
+            <a:r>
+              <a:rPr lang="nl-BE" sz="2800" dirty="0"/>
+              <a:t>Open Source</a:t>
+            </a:r>
           </a:p>
           <a:p>
             <a:endParaRPr lang="nl-BE" sz="2800" dirty="0"/>

--- a/prof.pptx
+++ b/prof.pptx
@@ -4588,6 +4588,16 @@
             </a:r>
           </a:p>
           <a:p>
+            <a:pPr lvl="1">
+              <a:buFont typeface="Arial" panose="020B0604020202020204" pitchFamily="34" charset="0"/>
+              <a:buChar char="•"/>
+            </a:pPr>
+            <a:r>
+              <a:rPr lang="nl-BE" sz="2800" dirty="0"/>
+              <a:t>Online</a:t>
+            </a:r>
+          </a:p>
+          <a:p>
             <a:endParaRPr lang="nl-BE" sz="2800" dirty="0"/>
           </a:p>
         </p:txBody>
@@ -4691,6 +4701,17 @@
               <a:rPr lang="nl-BE" sz="2800" dirty="0"/>
               <a:t>Webdesign</a:t>
             </a:r>
+          </a:p>
+          <a:p>
+            <a:pPr lvl="1">
+              <a:buFont typeface="Arial" panose="020B0604020202020204" pitchFamily="34" charset="0"/>
+              <a:buChar char="•"/>
+            </a:pPr>
+            <a:r>
+              <a:rPr lang="nl-BE" sz="2800" dirty="0" err="1"/>
+              <a:t>Materialize</a:t>
+            </a:r>
+            <a:endParaRPr lang="nl-BE" sz="2800" dirty="0"/>
           </a:p>
           <a:p>
             <a:pPr lvl="1">
